--- a/slides/uc02 - modelagem de banco de dados.pptx
+++ b/slides/uc02 - modelagem de banco de dados.pptx
@@ -5,7 +5,7 @@
     <p:sldMasterId id="2147483648" r:id="rId1"/>
   </p:sldMasterIdLst>
   <p:notesMasterIdLst>
-    <p:notesMasterId r:id="rId11"/>
+    <p:notesMasterId r:id="rId12"/>
   </p:notesMasterIdLst>
   <p:sldIdLst>
     <p:sldId id="256" r:id="rId2"/>
@@ -16,7 +16,8 @@
     <p:sldId id="264" r:id="rId7"/>
     <p:sldId id="265" r:id="rId8"/>
     <p:sldId id="263" r:id="rId9"/>
-    <p:sldId id="266" r:id="rId10"/>
+    <p:sldId id="267" r:id="rId10"/>
+    <p:sldId id="266" r:id="rId11"/>
   </p:sldIdLst>
   <p:sldSz cx="9144000" cy="6858000" type="screen4x3"/>
   <p:notesSz cx="9947275" cy="6858000"/>
@@ -267,6 +268,7 @@
     <p1510:client id="{936B8FA7-E911-19CD-6B20-FFB0AE56D8B8}" v="387" dt="2021-08-12T23:23:08.971"/>
     <p1510:client id="{CB562683-02A1-8813-3A63-AA61FF1F064B}" v="327" dt="2021-08-13T11:50:34.020"/>
     <p1510:client id="{CFA870C5-1406-789B-ABF1-E80F370734DF}" v="4552" dt="2021-08-13T11:41:08.416"/>
+    <p1510:client id="{F41AAB24-FB38-5CE3-C4D6-7793728A047A}" v="188" dt="2021-09-14T00:36:42.694"/>
   </p1510:revLst>
 </p1510:revInfo>
 </file>
@@ -1902,6 +1904,198 @@
 </p:notes>
 </file>
 
+<file path=ppt/notesSlides/notesSlide10.xml><?xml version="1.0" encoding="utf-8"?>
+<p:notes xmlns:a="http://schemas.openxmlformats.org/drawingml/2006/main" xmlns:r="http://schemas.openxmlformats.org/officeDocument/2006/relationships" xmlns:p="http://schemas.openxmlformats.org/presentationml/2006/main" showMasterSp="0" showMasterPhAnim="0">
+  <p:cSld>
+    <p:spTree>
+      <p:nvGrpSpPr>
+        <p:cNvPr id="1" name="Shape 85"/>
+        <p:cNvGrpSpPr/>
+        <p:nvPr/>
+      </p:nvGrpSpPr>
+      <p:grpSpPr>
+        <a:xfrm>
+          <a:off x="0" y="0"/>
+          <a:ext cx="0" cy="0"/>
+          <a:chOff x="0" y="0"/>
+          <a:chExt cx="0" cy="0"/>
+        </a:xfrm>
+      </p:grpSpPr>
+      <p:sp>
+        <p:nvSpPr>
+          <p:cNvPr id="86" name="Google Shape;86;gdd6273705e_0_22:notes"/>
+          <p:cNvSpPr>
+            <a:spLocks noGrp="1" noRot="1" noChangeAspect="1"/>
+          </p:cNvSpPr>
+          <p:nvPr>
+            <p:ph type="sldImg" idx="2"/>
+          </p:nvPr>
+        </p:nvSpPr>
+        <p:spPr>
+          <a:xfrm>
+            <a:off x="3262313" y="515938"/>
+            <a:ext cx="3422650" cy="2568575"/>
+          </a:xfrm>
+          <a:custGeom>
+            <a:avLst/>
+            <a:gdLst/>
+            <a:ahLst/>
+            <a:cxnLst/>
+            <a:rect l="l" t="t" r="r" b="b"/>
+            <a:pathLst>
+              <a:path w="120000" h="120000" extrusionOk="0">
+                <a:moveTo>
+                  <a:pt x="0" y="0"/>
+                </a:moveTo>
+                <a:lnTo>
+                  <a:pt x="120000" y="0"/>
+                </a:lnTo>
+                <a:lnTo>
+                  <a:pt x="120000" y="120000"/>
+                </a:lnTo>
+                <a:lnTo>
+                  <a:pt x="0" y="120000"/>
+                </a:lnTo>
+                <a:close/>
+              </a:path>
+            </a:pathLst>
+          </a:custGeom>
+          <a:noFill/>
+          <a:ln>
+            <a:noFill/>
+          </a:ln>
+        </p:spPr>
+      </p:sp>
+      <p:sp>
+        <p:nvSpPr>
+          <p:cNvPr id="87" name="Google Shape;87;gdd6273705e_0_22:notes"/>
+          <p:cNvSpPr txBox="1">
+            <a:spLocks noGrp="1"/>
+          </p:cNvSpPr>
+          <p:nvPr>
+            <p:ph type="body" idx="1"/>
+          </p:nvPr>
+        </p:nvSpPr>
+        <p:spPr>
+          <a:xfrm>
+            <a:off x="995400" y="3257640"/>
+            <a:ext cx="7956300" cy="3085800"/>
+          </a:xfrm>
+          <a:prstGeom prst="rect">
+            <a:avLst/>
+          </a:prstGeom>
+          <a:noFill/>
+          <a:ln>
+            <a:noFill/>
+          </a:ln>
+        </p:spPr>
+        <p:txBody>
+          <a:bodyPr spcFirstLastPara="1" wrap="square" lIns="92150" tIns="46075" rIns="92150" bIns="46075" anchor="t" anchorCtr="0">
+            <a:noAutofit/>
+          </a:bodyPr>
+          <a:lstStyle/>
+          <a:p>
+            <a:pPr marL="0" lvl="0" indent="0" algn="l" rtl="0">
+              <a:lnSpc>
+                <a:spcPct val="100000"/>
+              </a:lnSpc>
+              <a:spcBef>
+                <a:spcPts val="0"/>
+              </a:spcBef>
+              <a:spcAft>
+                <a:spcPts val="0"/>
+              </a:spcAft>
+              <a:buSzPts val="1400"/>
+              <a:buNone/>
+            </a:pPr>
+            <a:endParaRPr sz="2000" b="0" strike="noStrike">
+              <a:latin typeface="Arial"/>
+              <a:ea typeface="Arial"/>
+              <a:cs typeface="Arial"/>
+              <a:sym typeface="Arial"/>
+            </a:endParaRPr>
+          </a:p>
+        </p:txBody>
+      </p:sp>
+      <p:sp>
+        <p:nvSpPr>
+          <p:cNvPr id="88" name="Google Shape;88;gdd6273705e_0_22:notes"/>
+          <p:cNvSpPr txBox="1"/>
+          <p:nvPr/>
+        </p:nvSpPr>
+        <p:spPr>
+          <a:xfrm>
+            <a:off x="5634000" y="6513480"/>
+            <a:ext cx="4311300" cy="342600"/>
+          </a:xfrm>
+          <a:prstGeom prst="rect">
+            <a:avLst/>
+          </a:prstGeom>
+          <a:noFill/>
+          <a:ln>
+            <a:noFill/>
+          </a:ln>
+        </p:spPr>
+        <p:txBody>
+          <a:bodyPr spcFirstLastPara="1" wrap="square" lIns="92150" tIns="46075" rIns="92150" bIns="46075" anchor="b" anchorCtr="0">
+            <a:noAutofit/>
+          </a:bodyPr>
+          <a:lstStyle/>
+          <a:p>
+            <a:pPr marL="0" marR="0" lvl="0" indent="0" algn="r" rtl="0">
+              <a:lnSpc>
+                <a:spcPct val="100000"/>
+              </a:lnSpc>
+              <a:spcBef>
+                <a:spcPts val="0"/>
+              </a:spcBef>
+              <a:spcAft>
+                <a:spcPts val="0"/>
+              </a:spcAft>
+              <a:buClr>
+                <a:srgbClr val="000000"/>
+              </a:buClr>
+              <a:buSzPts val="1200"/>
+              <a:buFont typeface="Arial"/>
+              <a:buNone/>
+            </a:pPr>
+            <a:fld id="{00000000-1234-1234-1234-123412341234}" type="slidenum">
+              <a:rPr lang="pt-BR" sz="1200" b="0" i="0" u="none" strike="noStrike" cap="none">
+                <a:solidFill>
+                  <a:srgbClr val="000000"/>
+                </a:solidFill>
+                <a:latin typeface="Times New Roman"/>
+                <a:ea typeface="Times New Roman"/>
+                <a:cs typeface="Times New Roman"/>
+                <a:sym typeface="Times New Roman"/>
+              </a:rPr>
+              <a:t>9</a:t>
+            </a:fld>
+            <a:endParaRPr sz="1200" b="0" i="0" u="none" strike="noStrike" cap="none">
+              <a:solidFill>
+                <a:srgbClr val="000000"/>
+              </a:solidFill>
+              <a:latin typeface="Times New Roman"/>
+              <a:ea typeface="Times New Roman"/>
+              <a:cs typeface="Times New Roman"/>
+              <a:sym typeface="Times New Roman"/>
+            </a:endParaRPr>
+          </a:p>
+        </p:txBody>
+      </p:sp>
+    </p:spTree>
+    <p:extLst>
+      <p:ext uri="{BB962C8B-B14F-4D97-AF65-F5344CB8AC3E}">
+        <p14:creationId xmlns:p14="http://schemas.microsoft.com/office/powerpoint/2010/main" val="2259076016"/>
+      </p:ext>
+    </p:extLst>
+  </p:cSld>
+  <p:clrMapOvr>
+    <a:masterClrMapping/>
+  </p:clrMapOvr>
+</p:notes>
+</file>
+
 <file path=ppt/notesSlides/notesSlide2.xml><?xml version="1.0" encoding="utf-8"?>
 <p:notes xmlns:a="http://schemas.openxmlformats.org/drawingml/2006/main" xmlns:r="http://schemas.openxmlformats.org/officeDocument/2006/relationships" xmlns:p="http://schemas.openxmlformats.org/presentationml/2006/main" showMasterSp="0" showMasterPhAnim="0">
   <p:cSld>
@@ -3423,7 +3617,7 @@
     </p:spTree>
     <p:extLst>
       <p:ext uri="{BB962C8B-B14F-4D97-AF65-F5344CB8AC3E}">
-        <p14:creationId xmlns:p14="http://schemas.microsoft.com/office/powerpoint/2010/main" val="2259076016"/>
+        <p14:creationId xmlns:p14="http://schemas.microsoft.com/office/powerpoint/2010/main" val="4072704851"/>
       </p:ext>
     </p:extLst>
   </p:cSld>
@@ -11843,6 +12037,306 @@
 </p:sld>
 </file>
 
+<file path=ppt/slides/slide10.xml><?xml version="1.0" encoding="utf-8"?>
+<p:sld xmlns:a="http://schemas.openxmlformats.org/drawingml/2006/main" xmlns:r="http://schemas.openxmlformats.org/officeDocument/2006/relationships" xmlns:p="http://schemas.openxmlformats.org/presentationml/2006/main">
+  <p:cSld>
+    <p:spTree>
+      <p:nvGrpSpPr>
+        <p:cNvPr id="1" name="Shape 89"/>
+        <p:cNvGrpSpPr/>
+        <p:nvPr/>
+      </p:nvGrpSpPr>
+      <p:grpSpPr>
+        <a:xfrm>
+          <a:off x="0" y="0"/>
+          <a:ext cx="0" cy="0"/>
+          <a:chOff x="0" y="0"/>
+          <a:chExt cx="0" cy="0"/>
+        </a:xfrm>
+      </p:grpSpPr>
+      <p:sp>
+        <p:nvSpPr>
+          <p:cNvPr id="90" name="Google Shape;90;gdd6273705e_0_22"/>
+          <p:cNvSpPr txBox="1"/>
+          <p:nvPr/>
+        </p:nvSpPr>
+        <p:spPr>
+          <a:xfrm>
+            <a:off x="791242" y="1584432"/>
+            <a:ext cx="7518918" cy="4893617"/>
+          </a:xfrm>
+          <a:prstGeom prst="rect">
+            <a:avLst/>
+          </a:prstGeom>
+          <a:noFill/>
+          <a:ln>
+            <a:noFill/>
+          </a:ln>
+        </p:spPr>
+        <p:txBody>
+          <a:bodyPr spcFirstLastPara="1" wrap="square" lIns="91425" tIns="91425" rIns="91425" bIns="91425" anchor="t" anchorCtr="0">
+            <a:spAutoFit/>
+          </a:bodyPr>
+          <a:lstStyle/>
+          <a:p>
+            <a:pPr marL="342900" indent="-342900">
+              <a:buSzPts val="1800"/>
+              <a:buAutoNum type="arabicPeriod"/>
+            </a:pPr>
+            <a:r>
+              <a:rPr lang="pt-BR" sz="1800">
+                <a:solidFill>
+                  <a:srgbClr val="3668C4"/>
+                </a:solidFill>
+              </a:rPr>
+              <a:t>Identificar requisitos (ler estudo de caso, entrevistar cliente, consultar documentos de referencia, etc)</a:t>
+            </a:r>
+          </a:p>
+          <a:p>
+            <a:pPr marL="342900" indent="-342900">
+              <a:buSzPts val="1800"/>
+              <a:buAutoNum type="arabicPeriod"/>
+            </a:pPr>
+            <a:r>
+              <a:rPr lang="pt-BR" sz="1800">
+                <a:solidFill>
+                  <a:srgbClr val="3668C4"/>
+                </a:solidFill>
+              </a:rPr>
+              <a:t>Elaborar modelo conceitual</a:t>
+            </a:r>
+            <a:br>
+              <a:rPr lang="pt-BR" sz="1800" dirty="0">
+                <a:solidFill>
+                  <a:srgbClr val="3668C4"/>
+                </a:solidFill>
+              </a:rPr>
+            </a:br>
+            <a:r>
+              <a:rPr lang="pt-BR" sz="1800">
+                <a:solidFill>
+                  <a:srgbClr val="3668C4"/>
+                </a:solidFill>
+              </a:rPr>
+              <a:t>1. Identificar entidades que precisam ser armazenadas</a:t>
+            </a:r>
+            <a:br>
+              <a:rPr lang="pt-BR" sz="1800" dirty="0">
+                <a:solidFill>
+                  <a:srgbClr val="3668C4"/>
+                </a:solidFill>
+              </a:rPr>
+            </a:br>
+            <a:r>
+              <a:rPr lang="pt-BR" sz="1800">
+                <a:solidFill>
+                  <a:srgbClr val="3668C4"/>
+                </a:solidFill>
+              </a:rPr>
+              <a:t>2. Identificar atributos das entidades</a:t>
+            </a:r>
+            <a:endParaRPr lang="pt-BR" sz="1800" dirty="0">
+              <a:solidFill>
+                <a:srgbClr val="3668C4"/>
+              </a:solidFill>
+            </a:endParaRPr>
+          </a:p>
+          <a:p>
+            <a:pPr marL="342900" indent="-342900">
+              <a:buSzPts val="1800"/>
+              <a:buAutoNum type="arabicPeriod"/>
+            </a:pPr>
+            <a:r>
+              <a:rPr lang="pt-BR" sz="1800">
+                <a:solidFill>
+                  <a:srgbClr val="3668C4"/>
+                </a:solidFill>
+              </a:rPr>
+              <a:t>Elaborar modelo lógico (modelo gráfico)</a:t>
+            </a:r>
+            <a:br>
+              <a:rPr lang="pt-BR" sz="1800" dirty="0">
+                <a:solidFill>
+                  <a:srgbClr val="3668C4"/>
+                </a:solidFill>
+              </a:rPr>
+            </a:br>
+            <a:r>
+              <a:rPr lang="pt-BR" sz="1800">
+                <a:solidFill>
+                  <a:srgbClr val="3668C4"/>
+                </a:solidFill>
+              </a:rPr>
+              <a:t>1. Posicionar entidades e atributos</a:t>
+            </a:r>
+            <a:br>
+              <a:rPr lang="pt-BR" sz="1800" dirty="0">
+                <a:solidFill>
+                  <a:srgbClr val="3668C4"/>
+                </a:solidFill>
+              </a:rPr>
+            </a:br>
+            <a:r>
+              <a:rPr lang="pt-BR" sz="1800">
+                <a:solidFill>
+                  <a:srgbClr val="3668C4"/>
+                </a:solidFill>
+              </a:rPr>
+              <a:t>2. Identificar relacionamentos entre entidades</a:t>
+            </a:r>
+            <a:br>
+              <a:rPr lang="pt-BR" sz="1800" dirty="0">
+                <a:solidFill>
+                  <a:srgbClr val="3668C4"/>
+                </a:solidFill>
+              </a:rPr>
+            </a:br>
+            <a:r>
+              <a:rPr lang="pt-BR" sz="1800">
+                <a:solidFill>
+                  <a:srgbClr val="3668C4"/>
+                </a:solidFill>
+              </a:rPr>
+              <a:t>3. Ajustar chaves estrangeiras, relacionamentos, etc</a:t>
+            </a:r>
+            <a:endParaRPr lang="pt-BR" sz="1800" dirty="0">
+              <a:solidFill>
+                <a:srgbClr val="3668C4"/>
+              </a:solidFill>
+            </a:endParaRPr>
+          </a:p>
+          <a:p>
+            <a:pPr marL="342900" indent="-342900">
+              <a:buSzPts val="1800"/>
+              <a:buAutoNum type="arabicPeriod"/>
+            </a:pPr>
+            <a:r>
+              <a:rPr lang="pt-BR" sz="1800">
+                <a:solidFill>
+                  <a:srgbClr val="3668C4"/>
+                </a:solidFill>
+              </a:rPr>
+              <a:t>Validar regra de negócio (o sistema conseguirá realizar as operações com os dados que modelamos?)</a:t>
+            </a:r>
+            <a:endParaRPr lang="pt-BR" sz="1800" dirty="0">
+              <a:solidFill>
+                <a:srgbClr val="3668C4"/>
+              </a:solidFill>
+            </a:endParaRPr>
+          </a:p>
+          <a:p>
+            <a:pPr marL="342900" indent="-342900">
+              <a:buSzPts val="1800"/>
+              <a:buAutoNum type="arabicPeriod"/>
+            </a:pPr>
+            <a:r>
+              <a:rPr lang="pt-BR" sz="1800">
+                <a:solidFill>
+                  <a:srgbClr val="3668C4"/>
+                </a:solidFill>
+              </a:rPr>
+              <a:t>Implementar modelo físico (criar banco de dados)</a:t>
+            </a:r>
+            <a:endParaRPr lang="pt-BR" sz="1800" dirty="0">
+              <a:solidFill>
+                <a:srgbClr val="3668C4"/>
+              </a:solidFill>
+            </a:endParaRPr>
+          </a:p>
+          <a:p>
+            <a:pPr marL="342900" indent="-342900">
+              <a:buSzPts val="1800"/>
+              <a:buAutoNum type="arabicPeriod"/>
+            </a:pPr>
+            <a:endParaRPr lang="pt-BR" sz="1800" dirty="0">
+              <a:solidFill>
+                <a:srgbClr val="3668C4"/>
+              </a:solidFill>
+            </a:endParaRPr>
+          </a:p>
+          <a:p>
+            <a:pPr>
+              <a:buSzPts val="1800"/>
+            </a:pPr>
+            <a:r>
+              <a:rPr lang="pt-BR" sz="1800" dirty="0">
+                <a:solidFill>
+                  <a:srgbClr val="3668C4"/>
+                </a:solidFill>
+              </a:rPr>
+              <a:t>Obs: Os modelos podem ser alterados e melhorados conforme tomarmos mais conhecimento do projeto. Podemos </a:t>
+            </a:r>
+            <a:r>
+              <a:rPr lang="pt-BR" sz="1800">
+                <a:solidFill>
+                  <a:srgbClr val="3668C4"/>
+                </a:solidFill>
+              </a:rPr>
+              <a:t>adicionar/alterar/remover atributos, entidades, relacionamentos, etc, sempre que identificarmos a necessidade</a:t>
+            </a:r>
+            <a:endParaRPr lang="pt-BR" sz="1800" dirty="0">
+              <a:solidFill>
+                <a:srgbClr val="3668C4"/>
+              </a:solidFill>
+            </a:endParaRPr>
+          </a:p>
+        </p:txBody>
+      </p:sp>
+      <p:sp>
+        <p:nvSpPr>
+          <p:cNvPr id="91" name="Google Shape;91;gdd6273705e_0_22"/>
+          <p:cNvSpPr txBox="1"/>
+          <p:nvPr/>
+        </p:nvSpPr>
+        <p:spPr>
+          <a:xfrm>
+            <a:off x="0" y="971870"/>
+            <a:ext cx="9144000" cy="553968"/>
+          </a:xfrm>
+          <a:prstGeom prst="rect">
+            <a:avLst/>
+          </a:prstGeom>
+          <a:noFill/>
+          <a:ln>
+            <a:noFill/>
+          </a:ln>
+        </p:spPr>
+        <p:txBody>
+          <a:bodyPr spcFirstLastPara="1" wrap="square" lIns="91425" tIns="91425" rIns="91425" bIns="91425" anchor="t" anchorCtr="0">
+            <a:spAutoFit/>
+          </a:bodyPr>
+          <a:lstStyle/>
+          <a:p>
+            <a:pPr algn="ctr"/>
+            <a:r>
+              <a:rPr lang="pt-BR" sz="2400" b="1">
+                <a:solidFill>
+                  <a:srgbClr val="F68B1F"/>
+                </a:solidFill>
+              </a:rPr>
+              <a:t>Etapas da modelagem de um banco de dados</a:t>
+            </a:r>
+            <a:endParaRPr lang="pt-BR" sz="2400" b="1" dirty="0">
+              <a:solidFill>
+                <a:srgbClr val="F68B1F"/>
+              </a:solidFill>
+            </a:endParaRPr>
+          </a:p>
+        </p:txBody>
+      </p:sp>
+    </p:spTree>
+    <p:extLst>
+      <p:ext uri="{BB962C8B-B14F-4D97-AF65-F5344CB8AC3E}">
+        <p14:creationId xmlns:p14="http://schemas.microsoft.com/office/powerpoint/2010/main" val="2253159826"/>
+      </p:ext>
+    </p:extLst>
+  </p:cSld>
+  <p:clrMapOvr>
+    <a:masterClrMapping/>
+  </p:clrMapOvr>
+</p:sld>
+</file>
+
 <file path=ppt/slides/slide2.xml><?xml version="1.0" encoding="utf-8"?>
 <p:sld xmlns:a="http://schemas.openxmlformats.org/drawingml/2006/main" xmlns:r="http://schemas.openxmlformats.org/officeDocument/2006/relationships" xmlns:p="http://schemas.openxmlformats.org/presentationml/2006/main">
   <p:cSld>
@@ -13611,18 +14105,13 @@
           <a:p>
             <a:pPr algn="ctr"/>
             <a:r>
-              <a:rPr lang="pt-BR" sz="3000" b="1">
+              <a:rPr lang="pt-BR" sz="3000" b="1" dirty="0">
                 <a:solidFill>
                   <a:srgbClr val="F68B1F"/>
                 </a:solidFill>
               </a:rPr>
               <a:t>Cardinalidade</a:t>
             </a:r>
-            <a:endParaRPr lang="pt-BR" sz="3000" b="1" dirty="0">
-              <a:solidFill>
-                <a:srgbClr val="F68B1F"/>
-              </a:solidFill>
-            </a:endParaRPr>
           </a:p>
         </p:txBody>
       </p:sp>
@@ -14016,8 +14505,8 @@
         </p:nvSpPr>
         <p:spPr>
           <a:xfrm>
-            <a:off x="791242" y="1584432"/>
-            <a:ext cx="7518918" cy="4893617"/>
+            <a:off x="706050" y="2251774"/>
+            <a:ext cx="7731900" cy="2831514"/>
           </a:xfrm>
           <a:prstGeom prst="rect">
             <a:avLst/>
@@ -14033,204 +14522,137 @@
           </a:bodyPr>
           <a:lstStyle/>
           <a:p>
-            <a:pPr marL="342900" indent="-342900">
-              <a:buSzPts val="1800"/>
-              <a:buAutoNum type="arabicPeriod"/>
-            </a:pPr>
             <a:r>
-              <a:rPr lang="pt-BR" sz="1800">
-                <a:solidFill>
-                  <a:srgbClr val="3668C4"/>
+              <a:rPr lang="pt-BR" sz="1800" dirty="0">
+                <a:solidFill>
+                  <a:srgbClr val="004A8D"/>
                 </a:solidFill>
               </a:rPr>
-              <a:t>Identificar requisitos (ler estudo de caso, entrevistar cliente, consultar documentos de referencia, etc)</a:t>
+              <a:t>Para cada tipo de cardinalidade, há algumas regras para disposição da chave estrangeira:</a:t>
             </a:r>
-          </a:p>
-          <a:p>
-            <a:pPr marL="342900" indent="-342900">
-              <a:buSzPts val="1800"/>
-              <a:buAutoNum type="arabicPeriod"/>
-            </a:pPr>
-            <a:r>
-              <a:rPr lang="pt-BR" sz="1800">
-                <a:solidFill>
-                  <a:srgbClr val="3668C4"/>
-                </a:solidFill>
-              </a:rPr>
-              <a:t>Elaborar modelo conceitual</a:t>
-            </a:r>
-            <a:br>
-              <a:rPr lang="pt-BR" sz="1800" dirty="0">
-                <a:solidFill>
-                  <a:srgbClr val="3668C4"/>
-                </a:solidFill>
-              </a:rPr>
-            </a:br>
-            <a:r>
-              <a:rPr lang="pt-BR" sz="1800">
-                <a:solidFill>
-                  <a:srgbClr val="3668C4"/>
-                </a:solidFill>
-              </a:rPr>
-              <a:t>1. Identificar entidades que precisam ser armazenadas</a:t>
-            </a:r>
-            <a:br>
-              <a:rPr lang="pt-BR" sz="1800" dirty="0">
-                <a:solidFill>
-                  <a:srgbClr val="3668C4"/>
-                </a:solidFill>
-              </a:rPr>
-            </a:br>
-            <a:r>
-              <a:rPr lang="pt-BR" sz="1800">
-                <a:solidFill>
-                  <a:srgbClr val="3668C4"/>
-                </a:solidFill>
-              </a:rPr>
-              <a:t>2. Identificar atributos das entidades</a:t>
-            </a:r>
-            <a:endParaRPr lang="pt-BR" sz="1800" dirty="0">
+            <a:endParaRPr lang="pt-BR" dirty="0">
               <a:solidFill>
-                <a:srgbClr val="3668C4"/>
+                <a:srgbClr val="004A8D"/>
               </a:solidFill>
             </a:endParaRPr>
           </a:p>
           <a:p>
-            <a:pPr marL="342900" indent="-342900">
-              <a:buSzPts val="1800"/>
-              <a:buAutoNum type="arabicPeriod"/>
-            </a:pPr>
-            <a:r>
-              <a:rPr lang="pt-BR" sz="1800">
-                <a:solidFill>
-                  <a:srgbClr val="3668C4"/>
-                </a:solidFill>
-              </a:rPr>
-              <a:t>Elaborar modelo lógico (modelo gráfico)</a:t>
-            </a:r>
             <a:br>
               <a:rPr lang="pt-BR" sz="1800" dirty="0">
                 <a:solidFill>
-                  <a:srgbClr val="3668C4"/>
+                  <a:srgbClr val="004A8D"/>
                 </a:solidFill>
               </a:rPr>
             </a:br>
             <a:r>
-              <a:rPr lang="pt-BR" sz="1800">
-                <a:solidFill>
-                  <a:srgbClr val="3668C4"/>
+              <a:rPr lang="pt-BR" sz="1800" b="1" dirty="0">
+                <a:solidFill>
+                  <a:srgbClr val="004A8D"/>
                 </a:solidFill>
               </a:rPr>
-              <a:t>1. Posicionar entidades e atributos</a:t>
+              <a:t>1:1</a:t>
             </a:r>
-            <a:br>
+            <a:r>
               <a:rPr lang="pt-BR" sz="1800" dirty="0">
                 <a:solidFill>
-                  <a:srgbClr val="3668C4"/>
+                  <a:srgbClr val="004A8D"/>
                 </a:solidFill>
               </a:rPr>
-            </a:br>
-            <a:r>
-              <a:rPr lang="pt-BR" sz="1800">
-                <a:solidFill>
-                  <a:srgbClr val="3668C4"/>
-                </a:solidFill>
-              </a:rPr>
-              <a:t>2. Identificar relacionamentos entre entidades</a:t>
+              <a:t> - escolhe a entidade que vai receber a chave estrangeira</a:t>
             </a:r>
-            <a:br>
-              <a:rPr lang="pt-BR" sz="1800" dirty="0">
-                <a:solidFill>
-                  <a:srgbClr val="3668C4"/>
-                </a:solidFill>
-              </a:rPr>
-            </a:br>
-            <a:r>
-              <a:rPr lang="pt-BR" sz="1800">
-                <a:solidFill>
-                  <a:srgbClr val="3668C4"/>
-                </a:solidFill>
-              </a:rPr>
-              <a:t>3. Ajustar chaves estrangeiras, relacionamentos, etc</a:t>
-            </a:r>
-            <a:endParaRPr lang="pt-BR" sz="1800" dirty="0">
+            <a:endParaRPr lang="pt-BR" dirty="0">
               <a:solidFill>
-                <a:srgbClr val="3668C4"/>
+                <a:srgbClr val="004A8D"/>
               </a:solidFill>
             </a:endParaRPr>
           </a:p>
           <a:p>
-            <a:pPr marL="342900" indent="-342900">
-              <a:buSzPts val="1800"/>
-              <a:buAutoNum type="arabicPeriod"/>
-            </a:pPr>
-            <a:r>
-              <a:rPr lang="pt-BR" sz="1800">
-                <a:solidFill>
-                  <a:srgbClr val="3668C4"/>
-                </a:solidFill>
-              </a:rPr>
-              <a:t>Validar regra de negócio (o sistema conseguirá realizar as operações com os dados que modelamos?)</a:t>
-            </a:r>
-            <a:endParaRPr lang="pt-BR" sz="1800" dirty="0">
+            <a:endParaRPr lang="pt-BR" dirty="0">
               <a:solidFill>
-                <a:srgbClr val="3668C4"/>
+                <a:srgbClr val="004A8D"/>
               </a:solidFill>
             </a:endParaRPr>
           </a:p>
           <a:p>
-            <a:pPr marL="342900" indent="-342900">
-              <a:buSzPts val="1800"/>
-              <a:buAutoNum type="arabicPeriod"/>
-            </a:pPr>
             <a:r>
-              <a:rPr lang="pt-BR" sz="1800">
-                <a:solidFill>
-                  <a:srgbClr val="3668C4"/>
+              <a:rPr lang="pt-BR" sz="1800" b="1" dirty="0">
+                <a:solidFill>
+                  <a:srgbClr val="004A8D"/>
                 </a:solidFill>
               </a:rPr>
-              <a:t>Implementar modelo físico (criar banco de dados)</a:t>
+              <a:t>1:M</a:t>
             </a:r>
-            <a:endParaRPr lang="pt-BR" sz="1800" dirty="0">
+            <a:r>
+              <a:rPr lang="pt-BR" sz="1800" dirty="0">
+                <a:solidFill>
+                  <a:srgbClr val="004A8D"/>
+                </a:solidFill>
+              </a:rPr>
+              <a:t> - a chave estrangeira fica na entidade que</a:t>
+            </a:r>
+            <a:endParaRPr lang="pt-BR" dirty="0">
               <a:solidFill>
-                <a:srgbClr val="3668C4"/>
+                <a:srgbClr val="004A8D"/>
               </a:solidFill>
             </a:endParaRPr>
           </a:p>
           <a:p>
-            <a:pPr marL="342900" indent="-342900">
-              <a:buSzPts val="1800"/>
-              <a:buAutoNum type="arabicPeriod"/>
-            </a:pPr>
-            <a:endParaRPr lang="pt-BR" sz="1800" dirty="0">
+            <a:r>
+              <a:rPr lang="pt-BR" sz="1800" dirty="0">
+                <a:solidFill>
+                  <a:srgbClr val="004A8D"/>
+                </a:solidFill>
+              </a:rPr>
+              <a:t>tem Muitas ocorrências</a:t>
+            </a:r>
+            <a:endParaRPr lang="pt-BR" dirty="0">
               <a:solidFill>
-                <a:srgbClr val="3668C4"/>
+                <a:srgbClr val="004A8D"/>
               </a:solidFill>
             </a:endParaRPr>
           </a:p>
           <a:p>
-            <a:pPr>
-              <a:buSzPts val="1800"/>
-            </a:pPr>
+            <a:endParaRPr lang="pt-BR" dirty="0">
+              <a:solidFill>
+                <a:srgbClr val="004A8D"/>
+              </a:solidFill>
+            </a:endParaRPr>
+          </a:p>
+          <a:p>
+            <a:r>
+              <a:rPr lang="pt-BR" sz="1800" b="1" dirty="0">
+                <a:solidFill>
+                  <a:srgbClr val="004A8D"/>
+                </a:solidFill>
+              </a:rPr>
+              <a:t>M:N</a:t>
+            </a:r>
             <a:r>
               <a:rPr lang="pt-BR" sz="1800" dirty="0">
                 <a:solidFill>
-                  <a:srgbClr val="3668C4"/>
+                  <a:srgbClr val="004A8D"/>
                 </a:solidFill>
               </a:rPr>
-              <a:t>Obs: Os modelos podem ser alterados e melhorados conforme tomarmos mais conhecimento do projeto. Podemos </a:t>
+              <a:t> - cria-se uma entidade associativa, que receberá</a:t>
             </a:r>
+            <a:endParaRPr lang="pt-BR" dirty="0">
+              <a:solidFill>
+                <a:srgbClr val="004A8D"/>
+              </a:solidFill>
+            </a:endParaRPr>
+          </a:p>
+          <a:p>
             <a:r>
-              <a:rPr lang="pt-BR" sz="1800">
-                <a:solidFill>
-                  <a:srgbClr val="3668C4"/>
+              <a:rPr lang="pt-BR" sz="1800" dirty="0">
+                <a:solidFill>
+                  <a:srgbClr val="004A8D"/>
                 </a:solidFill>
               </a:rPr>
-              <a:t>adicionar/alterar/remover atributos, entidades, relacionamentos, etc, sempre que identificarmos a necessidade</a:t>
+              <a:t>a chave estrangeira de ambas as entidades</a:t>
             </a:r>
-            <a:endParaRPr lang="pt-BR" sz="1800" dirty="0">
+            <a:endParaRPr lang="pt-BR" dirty="0">
               <a:solidFill>
-                <a:srgbClr val="3668C4"/>
+                <a:srgbClr val="004A8D"/>
               </a:solidFill>
             </a:endParaRPr>
           </a:p>
@@ -14244,8 +14666,8 @@
         </p:nvSpPr>
         <p:spPr>
           <a:xfrm>
-            <a:off x="0" y="971870"/>
-            <a:ext cx="9144000" cy="553968"/>
+            <a:off x="0" y="1199050"/>
+            <a:ext cx="9144000" cy="646300"/>
           </a:xfrm>
           <a:prstGeom prst="rect">
             <a:avLst/>
@@ -14263,25 +14685,20 @@
           <a:p>
             <a:pPr algn="ctr"/>
             <a:r>
-              <a:rPr lang="pt-BR" sz="2400" b="1">
+              <a:rPr lang="pt-BR" sz="3000" b="1" dirty="0">
                 <a:solidFill>
                   <a:srgbClr val="F68B1F"/>
                 </a:solidFill>
               </a:rPr>
-              <a:t>Etapas da modelagem de um banco de dados</a:t>
+              <a:t>Chave estrangeira - Regras</a:t>
             </a:r>
-            <a:endParaRPr lang="pt-BR" sz="2400" b="1" dirty="0">
-              <a:solidFill>
-                <a:srgbClr val="F68B1F"/>
-              </a:solidFill>
-            </a:endParaRPr>
           </a:p>
         </p:txBody>
       </p:sp>
     </p:spTree>
     <p:extLst>
       <p:ext uri="{BB962C8B-B14F-4D97-AF65-F5344CB8AC3E}">
-        <p14:creationId xmlns:p14="http://schemas.microsoft.com/office/powerpoint/2010/main" val="2253159826"/>
+        <p14:creationId xmlns:p14="http://schemas.microsoft.com/office/powerpoint/2010/main" val="2163791955"/>
       </p:ext>
     </p:extLst>
   </p:cSld>
